--- a/AI 부유물 탐지 시스템구축프로젝트.pptx
+++ b/AI 부유물 탐지 시스템구축프로젝트.pptx
@@ -5,7 +5,7 @@
     <p:sldMasterId id="2147483648" r:id="rId1"/>
   </p:sldMasterIdLst>
   <p:notesMasterIdLst>
-    <p:notesMasterId r:id="rId25"/>
+    <p:notesMasterId r:id="rId24"/>
   </p:notesMasterIdLst>
   <p:sldIdLst>
     <p:sldId id="256" r:id="rId2"/>
@@ -29,8 +29,7 @@
     <p:sldId id="274" r:id="rId20"/>
     <p:sldId id="275" r:id="rId21"/>
     <p:sldId id="278" r:id="rId22"/>
-    <p:sldId id="276" r:id="rId23"/>
-    <p:sldId id="277" r:id="rId24"/>
+    <p:sldId id="277" r:id="rId23"/>
   </p:sldIdLst>
   <p:sldSz cx="12192000" cy="6858000"/>
   <p:notesSz cx="6858000" cy="9144000"/>
@@ -129,6 +128,11 @@
       </a:defRPr>
     </a:lvl9pPr>
   </p:defaultTextStyle>
+  <p:extLst>
+    <p:ext uri="{EFAFB233-063F-42B5-8137-9DF3F51BA10A}">
+      <p15:sldGuideLst xmlns:p15="http://schemas.microsoft.com/office/powerpoint/2012/main"/>
+    </p:ext>
+  </p:extLst>
 </p:presentation>
 </file>
 
@@ -8580,34 +8584,6 @@
               <a:cs typeface="맑은 고딕 Semilight" panose="020B0502040204020203" pitchFamily="50" charset="-127"/>
             </a:endParaRPr>
           </a:p>
-          <a:p>
-            <a:pPr marL="514350" indent="-514350">
-              <a:buAutoNum type="arabicPeriod"/>
-            </a:pPr>
-            <a:r>
-              <a:rPr lang="ko-KR" altLang="en-US" sz="2400" dirty="0">
-                <a:latin typeface="맑은 고딕 Semilight" panose="020B0502040204020203" pitchFamily="50" charset="-127"/>
-                <a:ea typeface="맑은 고딕 Semilight" panose="020B0502040204020203" pitchFamily="50" charset="-127"/>
-                <a:cs typeface="맑은 고딕 Semilight" panose="020B0502040204020203" pitchFamily="50" charset="-127"/>
-              </a:rPr>
-              <a:t>결과와 후기</a:t>
-            </a:r>
-            <a:endParaRPr lang="en-US" altLang="ko-KR" sz="2400" dirty="0">
-              <a:latin typeface="맑은 고딕 Semilight" panose="020B0502040204020203" pitchFamily="50" charset="-127"/>
-              <a:ea typeface="맑은 고딕 Semilight" panose="020B0502040204020203" pitchFamily="50" charset="-127"/>
-              <a:cs typeface="맑은 고딕 Semilight" panose="020B0502040204020203" pitchFamily="50" charset="-127"/>
-            </a:endParaRPr>
-          </a:p>
-          <a:p>
-            <a:pPr marL="0" indent="0">
-              <a:buNone/>
-            </a:pPr>
-            <a:endParaRPr lang="ko-KR" altLang="en-US" sz="2400" dirty="0">
-              <a:latin typeface="맑은 고딕 Semilight" panose="020B0502040204020203" pitchFamily="50" charset="-127"/>
-              <a:ea typeface="맑은 고딕 Semilight" panose="020B0502040204020203" pitchFamily="50" charset="-127"/>
-              <a:cs typeface="맑은 고딕 Semilight" panose="020B0502040204020203" pitchFamily="50" charset="-127"/>
-            </a:endParaRPr>
-          </a:p>
         </p:txBody>
       </p:sp>
       <p:sp>
@@ -9710,180 +9686,6 @@
 </file>
 
 <file path=ppt/slides/slide22.xml><?xml version="1.0" encoding="utf-8"?>
-<p:sld xmlns:a="http://schemas.openxmlformats.org/drawingml/2006/main" xmlns:r="http://schemas.openxmlformats.org/officeDocument/2006/relationships" xmlns:p="http://schemas.openxmlformats.org/presentationml/2006/main">
-  <p:cSld>
-    <p:spTree>
-      <p:nvGrpSpPr>
-        <p:cNvPr id="1" name=""/>
-        <p:cNvGrpSpPr/>
-        <p:nvPr/>
-      </p:nvGrpSpPr>
-      <p:grpSpPr>
-        <a:xfrm>
-          <a:off x="0" y="0"/>
-          <a:ext cx="0" cy="0"/>
-          <a:chOff x="0" y="0"/>
-          <a:chExt cx="0" cy="0"/>
-        </a:xfrm>
-      </p:grpSpPr>
-      <p:sp>
-        <p:nvSpPr>
-          <p:cNvPr id="4" name="직사각형 3">
-            <a:extLst>
-              <a:ext uri="{FF2B5EF4-FFF2-40B4-BE49-F238E27FC236}">
-                <a16:creationId xmlns:a16="http://schemas.microsoft.com/office/drawing/2014/main" id="{FA36E323-C771-4F13-AB9C-64A37CCA4EAB}"/>
-              </a:ext>
-            </a:extLst>
-          </p:cNvPr>
-          <p:cNvSpPr/>
-          <p:nvPr/>
-        </p:nvSpPr>
-        <p:spPr>
-          <a:xfrm>
-            <a:off x="0" y="6400800"/>
-            <a:ext cx="12192000" cy="457200"/>
-          </a:xfrm>
-          <a:prstGeom prst="rect">
-            <a:avLst/>
-          </a:prstGeom>
-          <a:solidFill>
-            <a:schemeClr val="accent5">
-              <a:lumMod val="40000"/>
-              <a:lumOff val="60000"/>
-            </a:schemeClr>
-          </a:solidFill>
-          <a:ln>
-            <a:noFill/>
-          </a:ln>
-        </p:spPr>
-        <p:style>
-          <a:lnRef idx="2">
-            <a:schemeClr val="accent1">
-              <a:shade val="50000"/>
-            </a:schemeClr>
-          </a:lnRef>
-          <a:fillRef idx="1">
-            <a:schemeClr val="accent1"/>
-          </a:fillRef>
-          <a:effectRef idx="0">
-            <a:schemeClr val="accent1"/>
-          </a:effectRef>
-          <a:fontRef idx="minor">
-            <a:schemeClr val="lt1"/>
-          </a:fontRef>
-        </p:style>
-        <p:txBody>
-          <a:bodyPr rtlCol="0" anchor="ctr"/>
-          <a:lstStyle/>
-          <a:p>
-            <a:pPr algn="ctr"/>
-            <a:endParaRPr lang="ko-KR" altLang="en-US"/>
-          </a:p>
-        </p:txBody>
-      </p:sp>
-      <p:sp>
-        <p:nvSpPr>
-          <p:cNvPr id="5" name="슬라이드 번호 개체 틀 4">
-            <a:extLst>
-              <a:ext uri="{FF2B5EF4-FFF2-40B4-BE49-F238E27FC236}">
-                <a16:creationId xmlns:a16="http://schemas.microsoft.com/office/drawing/2014/main" id="{15F1EB7A-0761-4B86-872C-5F4E367495DB}"/>
-              </a:ext>
-            </a:extLst>
-          </p:cNvPr>
-          <p:cNvSpPr>
-            <a:spLocks noGrp="1"/>
-          </p:cNvSpPr>
-          <p:nvPr>
-            <p:ph type="sldNum" sz="quarter" idx="12"/>
-          </p:nvPr>
-        </p:nvSpPr>
-        <p:spPr>
-          <a:xfrm>
-            <a:off x="8963526" y="6446837"/>
-            <a:ext cx="2743200" cy="365125"/>
-          </a:xfrm>
-        </p:spPr>
-        <p:txBody>
-          <a:bodyPr/>
-          <a:lstStyle/>
-          <a:p>
-            <a:fld id="{EA2CDCA5-D42D-4F20-B282-C2049FA2A161}" type="slidenum">
-              <a:rPr lang="ko-KR" altLang="en-US" smtClean="0">
-                <a:solidFill>
-                  <a:schemeClr val="tx1"/>
-                </a:solidFill>
-              </a:rPr>
-              <a:t>22</a:t>
-            </a:fld>
-            <a:endParaRPr lang="ko-KR" altLang="en-US" dirty="0">
-              <a:solidFill>
-                <a:schemeClr val="tx1"/>
-              </a:solidFill>
-            </a:endParaRPr>
-          </a:p>
-        </p:txBody>
-      </p:sp>
-      <p:sp>
-        <p:nvSpPr>
-          <p:cNvPr id="13" name="제목 1">
-            <a:extLst>
-              <a:ext uri="{FF2B5EF4-FFF2-40B4-BE49-F238E27FC236}">
-                <a16:creationId xmlns:a16="http://schemas.microsoft.com/office/drawing/2014/main" id="{4D304958-6DC3-495A-9CCA-F445734DC1F9}"/>
-              </a:ext>
-            </a:extLst>
-          </p:cNvPr>
-          <p:cNvSpPr>
-            <a:spLocks noGrp="1"/>
-          </p:cNvSpPr>
-          <p:nvPr>
-            <p:ph type="title"/>
-          </p:nvPr>
-        </p:nvSpPr>
-        <p:spPr>
-          <a:xfrm>
-            <a:off x="838200" y="1010653"/>
-            <a:ext cx="10515600" cy="680035"/>
-          </a:xfrm>
-        </p:spPr>
-        <p:txBody>
-          <a:bodyPr>
-            <a:normAutofit/>
-          </a:bodyPr>
-          <a:lstStyle/>
-          <a:p>
-            <a:r>
-              <a:rPr lang="en-US" altLang="ko-KR" sz="3200" dirty="0">
-                <a:latin typeface="맑은 고딕 Semilight" panose="020B0502040204020203" pitchFamily="50" charset="-127"/>
-                <a:ea typeface="맑은 고딕 Semilight" panose="020B0502040204020203" pitchFamily="50" charset="-127"/>
-                <a:cs typeface="맑은 고딕 Semilight" panose="020B0502040204020203" pitchFamily="50" charset="-127"/>
-              </a:rPr>
-              <a:t>4. </a:t>
-            </a:r>
-            <a:r>
-              <a:rPr lang="ko-KR" altLang="en-US" sz="3200" dirty="0">
-                <a:latin typeface="맑은 고딕 Semilight" panose="020B0502040204020203" pitchFamily="50" charset="-127"/>
-                <a:ea typeface="맑은 고딕 Semilight" panose="020B0502040204020203" pitchFamily="50" charset="-127"/>
-                <a:cs typeface="맑은 고딕 Semilight" panose="020B0502040204020203" pitchFamily="50" charset="-127"/>
-              </a:rPr>
-              <a:t>후기</a:t>
-            </a:r>
-          </a:p>
-        </p:txBody>
-      </p:sp>
-    </p:spTree>
-    <p:extLst>
-      <p:ext uri="{BB962C8B-B14F-4D97-AF65-F5344CB8AC3E}">
-        <p14:creationId xmlns:p14="http://schemas.microsoft.com/office/powerpoint/2010/main" val="3784162834"/>
-      </p:ext>
-    </p:extLst>
-  </p:cSld>
-  <p:clrMapOvr>
-    <a:masterClrMapping/>
-  </p:clrMapOvr>
-</p:sld>
-</file>
-
-<file path=ppt/slides/slide23.xml><?xml version="1.0" encoding="utf-8"?>
 <p:sld xmlns:a="http://schemas.openxmlformats.org/drawingml/2006/main" xmlns:r="http://schemas.openxmlformats.org/officeDocument/2006/relationships" xmlns:p="http://schemas.openxmlformats.org/presentationml/2006/main">
   <p:cSld>
     <p:spTree>
